--- a/SSI - Discount Voyage.pptx
+++ b/SSI - Discount Voyage.pptx
@@ -8,7 +8,7 @@
     <p:notesMasterId r:id="rId23"/>
   </p:notesMasterIdLst>
   <p:sldIdLst>
-    <p:sldId id="256" r:id="rId2"/>
+    <p:sldId id="290" r:id="rId2"/>
     <p:sldId id="257" r:id="rId3"/>
     <p:sldId id="258" r:id="rId4"/>
     <p:sldId id="259" r:id="rId5"/>
@@ -129,7 +129,7 @@
   </p:defaultTextStyle>
   <p:extLst>
     <p:ext uri="{EFAFB233-063F-42B5-8137-9DF3F51BA10A}">
-      <p15:sldGuideLst xmlns:p15="http://schemas.microsoft.com/office/powerpoint/2012/main" xmlns=""/>
+      <p15:sldGuideLst xmlns="" xmlns:p15="http://schemas.microsoft.com/office/powerpoint/2012/main"/>
     </p:ext>
   </p:extLst>
 </p:presentation>
@@ -217,7 +217,7 @@
           <a:p>
             <a:fld id="{F987B740-CC7A-4A74-9774-3437EC2C49F4}" type="datetimeFigureOut">
               <a:rPr lang="en-US" smtClean="0"/>
-              <a:t>11/27/2014</a:t>
+              <a:t>12/3/2014</a:t>
             </a:fld>
             <a:endParaRPr lang="en-US"/>
           </a:p>
@@ -3286,7 +3286,7 @@
           <a:p>
             <a:fld id="{72BFE382-40A0-41F2-8C65-01A51A413878}" type="datetimeFigureOut">
               <a:rPr lang="id-ID" smtClean="0"/>
-              <a:t>27/11/2014</a:t>
+              <a:t>03/12/2014</a:t>
             </a:fld>
             <a:endParaRPr lang="id-ID"/>
           </a:p>
@@ -3799,7 +3799,7 @@
           <a:p>
             <a:fld id="{72BFE382-40A0-41F2-8C65-01A51A413878}" type="datetimeFigureOut">
               <a:rPr lang="id-ID" smtClean="0"/>
-              <a:t>27/11/2014</a:t>
+              <a:t>03/12/2014</a:t>
             </a:fld>
             <a:endParaRPr lang="id-ID"/>
           </a:p>
@@ -3974,7 +3974,7 @@
           <a:p>
             <a:fld id="{72BFE382-40A0-41F2-8C65-01A51A413878}" type="datetimeFigureOut">
               <a:rPr lang="id-ID" smtClean="0"/>
-              <a:t>27/11/2014</a:t>
+              <a:t>03/12/2014</a:t>
             </a:fld>
             <a:endParaRPr lang="id-ID"/>
           </a:p>
@@ -4139,7 +4139,7 @@
           <a:p>
             <a:fld id="{72BFE382-40A0-41F2-8C65-01A51A413878}" type="datetimeFigureOut">
               <a:rPr lang="id-ID" smtClean="0"/>
-              <a:t>27/11/2014</a:t>
+              <a:t>03/12/2014</a:t>
             </a:fld>
             <a:endParaRPr lang="id-ID"/>
           </a:p>
@@ -7263,7 +7263,7 @@
           <a:p>
             <a:fld id="{72BFE382-40A0-41F2-8C65-01A51A413878}" type="datetimeFigureOut">
               <a:rPr lang="id-ID" smtClean="0"/>
-              <a:t>27/11/2014</a:t>
+              <a:t>03/12/2014</a:t>
             </a:fld>
             <a:endParaRPr lang="id-ID"/>
           </a:p>
@@ -7546,7 +7546,7 @@
           <a:p>
             <a:fld id="{72BFE382-40A0-41F2-8C65-01A51A413878}" type="datetimeFigureOut">
               <a:rPr lang="id-ID" smtClean="0"/>
-              <a:t>27/11/2014</a:t>
+              <a:t>03/12/2014</a:t>
             </a:fld>
             <a:endParaRPr lang="id-ID"/>
           </a:p>
@@ -7963,7 +7963,7 @@
           <a:p>
             <a:fld id="{72BFE382-40A0-41F2-8C65-01A51A413878}" type="datetimeFigureOut">
               <a:rPr lang="id-ID" smtClean="0"/>
-              <a:t>27/11/2014</a:t>
+              <a:t>03/12/2014</a:t>
             </a:fld>
             <a:endParaRPr lang="id-ID"/>
           </a:p>
@@ -8076,7 +8076,7 @@
           <a:p>
             <a:fld id="{72BFE382-40A0-41F2-8C65-01A51A413878}" type="datetimeFigureOut">
               <a:rPr lang="id-ID" smtClean="0"/>
-              <a:t>27/11/2014</a:t>
+              <a:t>03/12/2014</a:t>
             </a:fld>
             <a:endParaRPr lang="id-ID"/>
           </a:p>
@@ -8166,7 +8166,7 @@
           <a:p>
             <a:fld id="{72BFE382-40A0-41F2-8C65-01A51A413878}" type="datetimeFigureOut">
               <a:rPr lang="id-ID" smtClean="0"/>
-              <a:t>27/11/2014</a:t>
+              <a:t>03/12/2014</a:t>
             </a:fld>
             <a:endParaRPr lang="id-ID"/>
           </a:p>
@@ -8341,7 +8341,7 @@
           <a:p>
             <a:fld id="{72BFE382-40A0-41F2-8C65-01A51A413878}" type="datetimeFigureOut">
               <a:rPr lang="id-ID" smtClean="0"/>
-              <a:t>27/11/2014</a:t>
+              <a:t>03/12/2014</a:t>
             </a:fld>
             <a:endParaRPr lang="id-ID"/>
           </a:p>
@@ -8827,7 +8827,7 @@
           <a:p>
             <a:fld id="{72BFE382-40A0-41F2-8C65-01A51A413878}" type="datetimeFigureOut">
               <a:rPr lang="id-ID" smtClean="0"/>
-              <a:t>27/11/2014</a:t>
+              <a:t>03/12/2014</a:t>
             </a:fld>
             <a:endParaRPr lang="id-ID"/>
           </a:p>
@@ -9379,7 +9379,7 @@
           <a:p>
             <a:fld id="{72BFE382-40A0-41F2-8C65-01A51A413878}" type="datetimeFigureOut">
               <a:rPr lang="id-ID" smtClean="0"/>
-              <a:t>27/11/2014</a:t>
+              <a:t>03/12/2014</a:t>
             </a:fld>
             <a:endParaRPr lang="id-ID"/>
           </a:p>
@@ -9802,86 +9802,868 @@
             <p:ph type="ctrTitle"/>
           </p:nvPr>
         </p:nvSpPr>
-        <p:spPr/>
-        <p:txBody>
-          <a:bodyPr>
-            <a:normAutofit fontScale="90000"/>
-          </a:bodyPr>
-          <a:lstStyle/>
-          <a:p>
-            <a:r>
-              <a:rPr lang="id-ID" dirty="0" smtClean="0"/>
-              <a:t/>
-            </a:r>
-            <a:br>
-              <a:rPr lang="id-ID" dirty="0" smtClean="0"/>
-            </a:br>
-            <a:r>
-              <a:rPr lang="id-ID" dirty="0" smtClean="0"/>
-              <a:t>TOGAF</a:t>
-            </a:r>
-            <a:r>
-              <a:rPr lang="en-US" dirty="0"/>
-              <a:t/>
-            </a:r>
-            <a:br>
-              <a:rPr lang="en-US" dirty="0"/>
-            </a:br>
-            <a:r>
-              <a:rPr lang="en-US" dirty="0" smtClean="0"/>
-              <a:t>“Discount Voyage”</a:t>
-            </a:r>
-            <a:r>
-              <a:rPr lang="id-ID" dirty="0" smtClean="0"/>
-              <a:t/>
-            </a:r>
-            <a:br>
-              <a:rPr lang="id-ID" dirty="0" smtClean="0"/>
-            </a:br>
-            <a:endParaRPr lang="id-ID" dirty="0"/>
-          </a:p>
-        </p:txBody>
-      </p:sp>
-      <p:sp>
-        <p:nvSpPr>
-          <p:cNvPr id="3" name="Subtitle 2"/>
-          <p:cNvSpPr>
-            <a:spLocks noGrp="1"/>
-          </p:cNvSpPr>
-          <p:nvPr>
-            <p:ph type="subTitle" idx="1"/>
-          </p:nvPr>
-        </p:nvSpPr>
-        <p:spPr/>
+        <p:spPr>
+          <a:xfrm>
+            <a:off x="0" y="2091690"/>
+            <a:ext cx="6400800" cy="914401"/>
+          </a:xfrm>
+        </p:spPr>
         <p:txBody>
           <a:bodyPr>
             <a:normAutofit/>
           </a:bodyPr>
           <a:lstStyle/>
           <a:p>
+            <a:pPr algn="ctr"/>
             <a:r>
               <a:rPr lang="en-US" dirty="0" smtClean="0"/>
-              <a:t>Albert </a:t>
-            </a:r>
-            <a:r>
-              <a:rPr lang="en-US" dirty="0" err="1" smtClean="0"/>
-              <a:t>Kamord</a:t>
-            </a:r>
-            <a:r>
-              <a:rPr lang="en-US" dirty="0" smtClean="0"/>
-              <a:t> (2011730077)</a:t>
+              <a:t>Discount Voyage</a:t>
             </a:r>
             <a:endParaRPr lang="en-US" dirty="0"/>
-          </a:p>
-          <a:p>
-            <a:endParaRPr lang="id-ID" dirty="0"/>
           </a:p>
         </p:txBody>
       </p:sp>
+      <p:graphicFrame>
+        <p:nvGraphicFramePr>
+          <p:cNvPr id="4" name="Table 3"/>
+          <p:cNvGraphicFramePr>
+            <a:graphicFrameLocks noGrp="1"/>
+          </p:cNvGraphicFramePr>
+          <p:nvPr>
+            <p:extLst>
+              <p:ext uri="{D42A27DB-BD31-4B8C-83A1-F6EECF244321}">
+                <p14:modId xmlns:p14="http://schemas.microsoft.com/office/powerpoint/2010/main" val="1846912357"/>
+              </p:ext>
+            </p:extLst>
+          </p:nvPr>
+        </p:nvGraphicFramePr>
+        <p:xfrm>
+          <a:off x="-1235710" y="3055620"/>
+          <a:ext cx="9533890" cy="1854200"/>
+        </p:xfrm>
+        <a:graphic>
+          <a:graphicData uri="http://schemas.openxmlformats.org/drawingml/2006/table">
+            <a:tbl>
+              <a:tblPr firstRow="1" bandRow="1">
+                <a:tableStyleId>{2D5ABB26-0587-4C30-8999-92F81FD0307C}</a:tableStyleId>
+              </a:tblPr>
+              <a:tblGrid>
+                <a:gridCol w="4766945"/>
+                <a:gridCol w="4766945"/>
+              </a:tblGrid>
+              <a:tr h="370840">
+                <a:tc>
+                  <a:txBody>
+                    <a:bodyPr/>
+                    <a:lstStyle/>
+                    <a:p>
+                      <a:pPr marL="0" marR="0" indent="0" algn="r" defTabSz="914400" rtl="0" eaLnBrk="1" fontAlgn="auto" latinLnBrk="0" hangingPunct="1">
+                        <a:lnSpc>
+                          <a:spcPct val="100000"/>
+                        </a:lnSpc>
+                        <a:spcBef>
+                          <a:spcPts val="0"/>
+                        </a:spcBef>
+                        <a:spcAft>
+                          <a:spcPts val="0"/>
+                        </a:spcAft>
+                        <a:buClrTx/>
+                        <a:buSzTx/>
+                        <a:buFontTx/>
+                        <a:buNone/>
+                        <a:tabLst/>
+                        <a:defRPr/>
+                      </a:pPr>
+                      <a:r>
+                        <a:rPr lang="en-US" dirty="0" err="1" smtClean="0"/>
+                        <a:t>Yose</a:t>
+                      </a:r>
+                      <a:r>
+                        <a:rPr lang="en-US" dirty="0" smtClean="0"/>
+                        <a:t> </a:t>
+                      </a:r>
+                      <a:r>
+                        <a:rPr lang="en-US" dirty="0" err="1" smtClean="0"/>
+                        <a:t>Indrawan</a:t>
+                      </a:r>
+                      <a:r>
+                        <a:rPr lang="en-US" dirty="0" smtClean="0"/>
+                        <a:t> W. (2011730006)</a:t>
+                      </a:r>
+                    </a:p>
+                  </a:txBody>
+                  <a:tcPr marL="121920" marR="121920">
+                    <a:lnL w="12700" cap="flat" cmpd="sng" algn="ctr">
+                      <a:noFill/>
+                      <a:prstDash val="solid"/>
+                      <a:round/>
+                      <a:headEnd type="none" w="med" len="med"/>
+                      <a:tailEnd type="none" w="med" len="med"/>
+                    </a:lnL>
+                    <a:lnR w="12700" cap="flat" cmpd="sng" algn="ctr">
+                      <a:solidFill>
+                        <a:schemeClr val="tx1"/>
+                      </a:solidFill>
+                      <a:prstDash val="solid"/>
+                      <a:round/>
+                      <a:headEnd type="none" w="med" len="med"/>
+                      <a:tailEnd type="none" w="med" len="med"/>
+                    </a:lnR>
+                    <a:lnT w="12700" cap="flat" cmpd="sng" algn="ctr">
+                      <a:noFill/>
+                      <a:prstDash val="solid"/>
+                      <a:round/>
+                      <a:headEnd type="none" w="med" len="med"/>
+                      <a:tailEnd type="none" w="med" len="med"/>
+                    </a:lnT>
+                    <a:lnB w="12700" cap="flat" cmpd="sng" algn="ctr">
+                      <a:noFill/>
+                      <a:prstDash val="solid"/>
+                      <a:round/>
+                      <a:headEnd type="none" w="med" len="med"/>
+                      <a:tailEnd type="none" w="med" len="med"/>
+                    </a:lnB>
+                    <a:lnTlToBr w="12700" cmpd="sng">
+                      <a:noFill/>
+                      <a:prstDash val="solid"/>
+                    </a:lnTlToBr>
+                    <a:lnBlToTr w="12700" cmpd="sng">
+                      <a:noFill/>
+                      <a:prstDash val="solid"/>
+                    </a:lnBlToTr>
+                  </a:tcPr>
+                </a:tc>
+                <a:tc>
+                  <a:txBody>
+                    <a:bodyPr/>
+                    <a:lstStyle/>
+                    <a:p>
+                      <a:pPr marL="0" marR="0" indent="0" algn="l" defTabSz="914400" rtl="0" eaLnBrk="1" fontAlgn="auto" latinLnBrk="0" hangingPunct="1">
+                        <a:lnSpc>
+                          <a:spcPct val="100000"/>
+                        </a:lnSpc>
+                        <a:spcBef>
+                          <a:spcPts val="0"/>
+                        </a:spcBef>
+                        <a:spcAft>
+                          <a:spcPts val="0"/>
+                        </a:spcAft>
+                        <a:buClrTx/>
+                        <a:buSzTx/>
+                        <a:buFontTx/>
+                        <a:buNone/>
+                        <a:tabLst/>
+                        <a:defRPr/>
+                      </a:pPr>
+                      <a:r>
+                        <a:rPr lang="en-US" dirty="0" smtClean="0"/>
+                        <a:t>(2011730015) </a:t>
+                      </a:r>
+                      <a:r>
+                        <a:rPr lang="en-US" dirty="0" err="1" smtClean="0"/>
+                        <a:t>Jeane</a:t>
+                      </a:r>
+                      <a:r>
+                        <a:rPr lang="en-US" dirty="0" smtClean="0"/>
+                        <a:t> </a:t>
+                      </a:r>
+                      <a:r>
+                        <a:rPr lang="en-US" dirty="0" err="1" smtClean="0"/>
+                        <a:t>Satyadi</a:t>
+                      </a:r>
+                      <a:endParaRPr lang="en-US" dirty="0" smtClean="0"/>
+                    </a:p>
+                  </a:txBody>
+                  <a:tcPr marL="121920" marR="121920">
+                    <a:lnL w="12700" cap="flat" cmpd="sng" algn="ctr">
+                      <a:solidFill>
+                        <a:schemeClr val="tx1"/>
+                      </a:solidFill>
+                      <a:prstDash val="solid"/>
+                      <a:round/>
+                      <a:headEnd type="none" w="med" len="med"/>
+                      <a:tailEnd type="none" w="med" len="med"/>
+                    </a:lnL>
+                    <a:lnR w="12700" cap="flat" cmpd="sng" algn="ctr">
+                      <a:noFill/>
+                      <a:prstDash val="solid"/>
+                      <a:round/>
+                      <a:headEnd type="none" w="med" len="med"/>
+                      <a:tailEnd type="none" w="med" len="med"/>
+                    </a:lnR>
+                    <a:lnT w="12700" cap="flat" cmpd="sng" algn="ctr">
+                      <a:noFill/>
+                      <a:prstDash val="solid"/>
+                      <a:round/>
+                      <a:headEnd type="none" w="med" len="med"/>
+                      <a:tailEnd type="none" w="med" len="med"/>
+                    </a:lnT>
+                    <a:lnB w="12700" cap="flat" cmpd="sng" algn="ctr">
+                      <a:noFill/>
+                      <a:prstDash val="solid"/>
+                      <a:round/>
+                      <a:headEnd type="none" w="med" len="med"/>
+                      <a:tailEnd type="none" w="med" len="med"/>
+                    </a:lnB>
+                    <a:lnTlToBr w="12700" cmpd="sng">
+                      <a:noFill/>
+                      <a:prstDash val="solid"/>
+                    </a:lnTlToBr>
+                    <a:lnBlToTr w="12700" cmpd="sng">
+                      <a:noFill/>
+                      <a:prstDash val="solid"/>
+                    </a:lnBlToTr>
+                  </a:tcPr>
+                </a:tc>
+              </a:tr>
+              <a:tr h="370840">
+                <a:tc>
+                  <a:txBody>
+                    <a:bodyPr/>
+                    <a:lstStyle/>
+                    <a:p>
+                      <a:pPr marL="0" marR="0" indent="0" algn="r" defTabSz="914400" rtl="0" eaLnBrk="1" fontAlgn="auto" latinLnBrk="0" hangingPunct="1">
+                        <a:lnSpc>
+                          <a:spcPct val="100000"/>
+                        </a:lnSpc>
+                        <a:spcBef>
+                          <a:spcPts val="0"/>
+                        </a:spcBef>
+                        <a:spcAft>
+                          <a:spcPts val="0"/>
+                        </a:spcAft>
+                        <a:buClrTx/>
+                        <a:buSzTx/>
+                        <a:buFontTx/>
+                        <a:buNone/>
+                        <a:tabLst/>
+                        <a:defRPr/>
+                      </a:pPr>
+                      <a:r>
+                        <a:rPr lang="en-US" dirty="0" smtClean="0"/>
+                        <a:t>Kevin </a:t>
+                      </a:r>
+                      <a:r>
+                        <a:rPr lang="en-US" dirty="0" err="1" smtClean="0"/>
+                        <a:t>Wijaya</a:t>
+                      </a:r>
+                      <a:r>
+                        <a:rPr lang="en-US" dirty="0" smtClean="0"/>
+                        <a:t> (2011730023)</a:t>
+                      </a:r>
+                    </a:p>
+                  </a:txBody>
+                  <a:tcPr marL="121920" marR="121920">
+                    <a:lnL w="12700" cap="flat" cmpd="sng" algn="ctr">
+                      <a:noFill/>
+                      <a:prstDash val="solid"/>
+                      <a:round/>
+                      <a:headEnd type="none" w="med" len="med"/>
+                      <a:tailEnd type="none" w="med" len="med"/>
+                    </a:lnL>
+                    <a:lnR w="12700" cap="flat" cmpd="sng" algn="ctr">
+                      <a:solidFill>
+                        <a:schemeClr val="tx1"/>
+                      </a:solidFill>
+                      <a:prstDash val="solid"/>
+                      <a:round/>
+                      <a:headEnd type="none" w="med" len="med"/>
+                      <a:tailEnd type="none" w="med" len="med"/>
+                    </a:lnR>
+                    <a:lnT w="12700" cap="flat" cmpd="sng" algn="ctr">
+                      <a:noFill/>
+                      <a:prstDash val="solid"/>
+                      <a:round/>
+                      <a:headEnd type="none" w="med" len="med"/>
+                      <a:tailEnd type="none" w="med" len="med"/>
+                    </a:lnT>
+                    <a:lnB w="12700" cap="flat" cmpd="sng" algn="ctr">
+                      <a:noFill/>
+                      <a:prstDash val="solid"/>
+                      <a:round/>
+                      <a:headEnd type="none" w="med" len="med"/>
+                      <a:tailEnd type="none" w="med" len="med"/>
+                    </a:lnB>
+                    <a:lnTlToBr w="12700" cmpd="sng">
+                      <a:noFill/>
+                      <a:prstDash val="solid"/>
+                    </a:lnTlToBr>
+                    <a:lnBlToTr w="12700" cmpd="sng">
+                      <a:noFill/>
+                      <a:prstDash val="solid"/>
+                    </a:lnBlToTr>
+                  </a:tcPr>
+                </a:tc>
+                <a:tc>
+                  <a:txBody>
+                    <a:bodyPr/>
+                    <a:lstStyle/>
+                    <a:p>
+                      <a:pPr marL="0" marR="0" indent="0" algn="l" defTabSz="914400" rtl="0" eaLnBrk="1" fontAlgn="auto" latinLnBrk="0" hangingPunct="1">
+                        <a:lnSpc>
+                          <a:spcPct val="100000"/>
+                        </a:lnSpc>
+                        <a:spcBef>
+                          <a:spcPts val="0"/>
+                        </a:spcBef>
+                        <a:spcAft>
+                          <a:spcPts val="0"/>
+                        </a:spcAft>
+                        <a:buClrTx/>
+                        <a:buSzTx/>
+                        <a:buFontTx/>
+                        <a:buNone/>
+                        <a:tabLst/>
+                        <a:defRPr/>
+                      </a:pPr>
+                      <a:r>
+                        <a:rPr lang="en-US" b="0" u="none" baseline="0" dirty="0" smtClean="0">
+                          <a:solidFill>
+                            <a:schemeClr val="tx1"/>
+                          </a:solidFill>
+                        </a:rPr>
+                        <a:t>(</a:t>
+                      </a:r>
+                      <a:r>
+                        <a:rPr lang="en-US" dirty="0" smtClean="0"/>
+                        <a:t>2011730024)</a:t>
+                      </a:r>
+                      <a:r>
+                        <a:rPr lang="en-US" baseline="0" dirty="0" smtClean="0"/>
+                        <a:t> </a:t>
+                      </a:r>
+                      <a:r>
+                        <a:rPr lang="en-US" b="0" u="none" dirty="0" smtClean="0">
+                          <a:solidFill>
+                            <a:schemeClr val="tx1"/>
+                          </a:solidFill>
+                        </a:rPr>
+                        <a:t>Jeremy </a:t>
+                      </a:r>
+                      <a:r>
+                        <a:rPr lang="en-US" b="0" u="none" dirty="0" err="1" smtClean="0">
+                          <a:solidFill>
+                            <a:schemeClr val="tx1"/>
+                          </a:solidFill>
+                        </a:rPr>
+                        <a:t>Razel</a:t>
+                      </a:r>
+                      <a:r>
+                        <a:rPr lang="en-US" b="0" u="none" dirty="0" smtClean="0">
+                          <a:solidFill>
+                            <a:schemeClr val="tx1"/>
+                          </a:solidFill>
+                        </a:rPr>
+                        <a:t> </a:t>
+                      </a:r>
+                      <a:r>
+                        <a:rPr lang="en-US" b="0" u="none" dirty="0" err="1" smtClean="0">
+                          <a:solidFill>
+                            <a:schemeClr val="tx1"/>
+                          </a:solidFill>
+                        </a:rPr>
+                        <a:t>Suryadi</a:t>
+                      </a:r>
+                      <a:endParaRPr lang="en-US" dirty="0" smtClean="0"/>
+                    </a:p>
+                  </a:txBody>
+                  <a:tcPr marL="121920" marR="121920">
+                    <a:lnL w="12700" cap="flat" cmpd="sng" algn="ctr">
+                      <a:solidFill>
+                        <a:schemeClr val="tx1"/>
+                      </a:solidFill>
+                      <a:prstDash val="solid"/>
+                      <a:round/>
+                      <a:headEnd type="none" w="med" len="med"/>
+                      <a:tailEnd type="none" w="med" len="med"/>
+                    </a:lnL>
+                    <a:lnR w="12700" cap="flat" cmpd="sng" algn="ctr">
+                      <a:noFill/>
+                      <a:prstDash val="solid"/>
+                      <a:round/>
+                      <a:headEnd type="none" w="med" len="med"/>
+                      <a:tailEnd type="none" w="med" len="med"/>
+                    </a:lnR>
+                    <a:lnT w="12700" cap="flat" cmpd="sng" algn="ctr">
+                      <a:noFill/>
+                      <a:prstDash val="solid"/>
+                      <a:round/>
+                      <a:headEnd type="none" w="med" len="med"/>
+                      <a:tailEnd type="none" w="med" len="med"/>
+                    </a:lnT>
+                    <a:lnB w="12700" cap="flat" cmpd="sng" algn="ctr">
+                      <a:noFill/>
+                      <a:prstDash val="solid"/>
+                      <a:round/>
+                      <a:headEnd type="none" w="med" len="med"/>
+                      <a:tailEnd type="none" w="med" len="med"/>
+                    </a:lnB>
+                    <a:lnTlToBr w="12700" cmpd="sng">
+                      <a:noFill/>
+                      <a:prstDash val="solid"/>
+                    </a:lnTlToBr>
+                    <a:lnBlToTr w="12700" cmpd="sng">
+                      <a:noFill/>
+                      <a:prstDash val="solid"/>
+                    </a:lnBlToTr>
+                  </a:tcPr>
+                </a:tc>
+              </a:tr>
+              <a:tr h="370840">
+                <a:tc>
+                  <a:txBody>
+                    <a:bodyPr/>
+                    <a:lstStyle/>
+                    <a:p>
+                      <a:pPr marL="0" marR="0" indent="0" algn="r" defTabSz="914400" rtl="0" eaLnBrk="1" fontAlgn="auto" latinLnBrk="0" hangingPunct="1">
+                        <a:lnSpc>
+                          <a:spcPct val="100000"/>
+                        </a:lnSpc>
+                        <a:spcBef>
+                          <a:spcPts val="0"/>
+                        </a:spcBef>
+                        <a:spcAft>
+                          <a:spcPts val="0"/>
+                        </a:spcAft>
+                        <a:buClrTx/>
+                        <a:buSzTx/>
+                        <a:buFontTx/>
+                        <a:buNone/>
+                        <a:tabLst/>
+                        <a:defRPr/>
+                      </a:pPr>
+                      <a:r>
+                        <a:rPr lang="en-US" dirty="0" err="1" smtClean="0"/>
+                        <a:t>Yohanes</a:t>
+                      </a:r>
+                      <a:r>
+                        <a:rPr lang="en-US" dirty="0" smtClean="0"/>
+                        <a:t> Bella (2011730028)</a:t>
+                      </a:r>
+                    </a:p>
+                  </a:txBody>
+                  <a:tcPr marL="121920" marR="121920">
+                    <a:lnL w="12700" cap="flat" cmpd="sng" algn="ctr">
+                      <a:noFill/>
+                      <a:prstDash val="solid"/>
+                      <a:round/>
+                      <a:headEnd type="none" w="med" len="med"/>
+                      <a:tailEnd type="none" w="med" len="med"/>
+                    </a:lnL>
+                    <a:lnR w="12700" cap="flat" cmpd="sng" algn="ctr">
+                      <a:solidFill>
+                        <a:schemeClr val="tx1"/>
+                      </a:solidFill>
+                      <a:prstDash val="solid"/>
+                      <a:round/>
+                      <a:headEnd type="none" w="med" len="med"/>
+                      <a:tailEnd type="none" w="med" len="med"/>
+                    </a:lnR>
+                    <a:lnT w="12700" cap="flat" cmpd="sng" algn="ctr">
+                      <a:noFill/>
+                      <a:prstDash val="solid"/>
+                      <a:round/>
+                      <a:headEnd type="none" w="med" len="med"/>
+                      <a:tailEnd type="none" w="med" len="med"/>
+                    </a:lnT>
+                    <a:lnB w="12700" cap="flat" cmpd="sng" algn="ctr">
+                      <a:noFill/>
+                      <a:prstDash val="solid"/>
+                      <a:round/>
+                      <a:headEnd type="none" w="med" len="med"/>
+                      <a:tailEnd type="none" w="med" len="med"/>
+                    </a:lnB>
+                    <a:lnTlToBr w="12700" cmpd="sng">
+                      <a:noFill/>
+                      <a:prstDash val="solid"/>
+                    </a:lnTlToBr>
+                    <a:lnBlToTr w="12700" cmpd="sng">
+                      <a:noFill/>
+                      <a:prstDash val="solid"/>
+                    </a:lnBlToTr>
+                  </a:tcPr>
+                </a:tc>
+                <a:tc>
+                  <a:txBody>
+                    <a:bodyPr/>
+                    <a:lstStyle/>
+                    <a:p>
+                      <a:pPr marL="0" marR="0" indent="0" algn="l" defTabSz="914400" rtl="0" eaLnBrk="1" fontAlgn="auto" latinLnBrk="0" hangingPunct="1">
+                        <a:lnSpc>
+                          <a:spcPct val="100000"/>
+                        </a:lnSpc>
+                        <a:spcBef>
+                          <a:spcPts val="0"/>
+                        </a:spcBef>
+                        <a:spcAft>
+                          <a:spcPts val="0"/>
+                        </a:spcAft>
+                        <a:buClrTx/>
+                        <a:buSzTx/>
+                        <a:buFontTx/>
+                        <a:buNone/>
+                        <a:tabLst/>
+                        <a:defRPr/>
+                      </a:pPr>
+                      <a:r>
+                        <a:rPr lang="en-US" baseline="0" dirty="0" smtClean="0"/>
+                        <a:t>(</a:t>
+                      </a:r>
+                      <a:r>
+                        <a:rPr lang="en-US" dirty="0" smtClean="0"/>
+                        <a:t>2011730045)</a:t>
+                      </a:r>
+                      <a:r>
+                        <a:rPr lang="en-US" baseline="0" dirty="0" smtClean="0"/>
+                        <a:t> </a:t>
+                      </a:r>
+                      <a:r>
+                        <a:rPr lang="en-US" dirty="0" smtClean="0"/>
+                        <a:t>Calvin </a:t>
+                      </a:r>
+                      <a:r>
+                        <a:rPr lang="en-US" dirty="0" err="1" smtClean="0"/>
+                        <a:t>Setiawan</a:t>
+                      </a:r>
+                      <a:endParaRPr lang="en-US" dirty="0" smtClean="0"/>
+                    </a:p>
+                  </a:txBody>
+                  <a:tcPr marL="121920" marR="121920">
+                    <a:lnL w="12700" cap="flat" cmpd="sng" algn="ctr">
+                      <a:solidFill>
+                        <a:schemeClr val="tx1"/>
+                      </a:solidFill>
+                      <a:prstDash val="solid"/>
+                      <a:round/>
+                      <a:headEnd type="none" w="med" len="med"/>
+                      <a:tailEnd type="none" w="med" len="med"/>
+                    </a:lnL>
+                    <a:lnR w="12700" cap="flat" cmpd="sng" algn="ctr">
+                      <a:noFill/>
+                      <a:prstDash val="solid"/>
+                      <a:round/>
+                      <a:headEnd type="none" w="med" len="med"/>
+                      <a:tailEnd type="none" w="med" len="med"/>
+                    </a:lnR>
+                    <a:lnT w="12700" cap="flat" cmpd="sng" algn="ctr">
+                      <a:noFill/>
+                      <a:prstDash val="solid"/>
+                      <a:round/>
+                      <a:headEnd type="none" w="med" len="med"/>
+                      <a:tailEnd type="none" w="med" len="med"/>
+                    </a:lnT>
+                    <a:lnB w="12700" cap="flat" cmpd="sng" algn="ctr">
+                      <a:noFill/>
+                      <a:prstDash val="solid"/>
+                      <a:round/>
+                      <a:headEnd type="none" w="med" len="med"/>
+                      <a:tailEnd type="none" w="med" len="med"/>
+                    </a:lnB>
+                    <a:lnTlToBr w="12700" cmpd="sng">
+                      <a:noFill/>
+                      <a:prstDash val="solid"/>
+                    </a:lnTlToBr>
+                    <a:lnBlToTr w="12700" cmpd="sng">
+                      <a:noFill/>
+                      <a:prstDash val="solid"/>
+                    </a:lnBlToTr>
+                  </a:tcPr>
+                </a:tc>
+              </a:tr>
+              <a:tr h="370840">
+                <a:tc>
+                  <a:txBody>
+                    <a:bodyPr/>
+                    <a:lstStyle/>
+                    <a:p>
+                      <a:pPr marL="0" marR="0" indent="0" algn="r" defTabSz="914400" rtl="0" eaLnBrk="1" fontAlgn="auto" latinLnBrk="0" hangingPunct="1">
+                        <a:lnSpc>
+                          <a:spcPct val="100000"/>
+                        </a:lnSpc>
+                        <a:spcBef>
+                          <a:spcPts val="0"/>
+                        </a:spcBef>
+                        <a:spcAft>
+                          <a:spcPts val="0"/>
+                        </a:spcAft>
+                        <a:buClrTx/>
+                        <a:buSzTx/>
+                        <a:buFontTx/>
+                        <a:buNone/>
+                        <a:tabLst/>
+                        <a:defRPr/>
+                      </a:pPr>
+                      <a:r>
+                        <a:rPr lang="en-US" dirty="0" smtClean="0"/>
+                        <a:t>Derrick Nathaniel T. (2011730060)</a:t>
+                      </a:r>
+                    </a:p>
+                  </a:txBody>
+                  <a:tcPr marL="121920" marR="121920">
+                    <a:lnL w="12700" cap="flat" cmpd="sng" algn="ctr">
+                      <a:noFill/>
+                      <a:prstDash val="solid"/>
+                      <a:round/>
+                      <a:headEnd type="none" w="med" len="med"/>
+                      <a:tailEnd type="none" w="med" len="med"/>
+                    </a:lnL>
+                    <a:lnR w="12700" cap="flat" cmpd="sng" algn="ctr">
+                      <a:solidFill>
+                        <a:schemeClr val="tx1"/>
+                      </a:solidFill>
+                      <a:prstDash val="solid"/>
+                      <a:round/>
+                      <a:headEnd type="none" w="med" len="med"/>
+                      <a:tailEnd type="none" w="med" len="med"/>
+                    </a:lnR>
+                    <a:lnT w="12700" cap="flat" cmpd="sng" algn="ctr">
+                      <a:noFill/>
+                      <a:prstDash val="solid"/>
+                      <a:round/>
+                      <a:headEnd type="none" w="med" len="med"/>
+                      <a:tailEnd type="none" w="med" len="med"/>
+                    </a:lnT>
+                    <a:lnB w="12700" cap="flat" cmpd="sng" algn="ctr">
+                      <a:noFill/>
+                      <a:prstDash val="solid"/>
+                      <a:round/>
+                      <a:headEnd type="none" w="med" len="med"/>
+                      <a:tailEnd type="none" w="med" len="med"/>
+                    </a:lnB>
+                    <a:lnTlToBr w="12700" cmpd="sng">
+                      <a:noFill/>
+                      <a:prstDash val="solid"/>
+                    </a:lnTlToBr>
+                    <a:lnBlToTr w="12700" cmpd="sng">
+                      <a:noFill/>
+                      <a:prstDash val="solid"/>
+                    </a:lnBlToTr>
+                  </a:tcPr>
+                </a:tc>
+                <a:tc>
+                  <a:txBody>
+                    <a:bodyPr/>
+                    <a:lstStyle/>
+                    <a:p>
+                      <a:pPr marL="0" marR="0" indent="0" algn="l" defTabSz="914400" rtl="0" eaLnBrk="1" fontAlgn="auto" latinLnBrk="0" hangingPunct="1">
+                        <a:lnSpc>
+                          <a:spcPct val="100000"/>
+                        </a:lnSpc>
+                        <a:spcBef>
+                          <a:spcPts val="0"/>
+                        </a:spcBef>
+                        <a:spcAft>
+                          <a:spcPts val="0"/>
+                        </a:spcAft>
+                        <a:buClrTx/>
+                        <a:buSzTx/>
+                        <a:buFontTx/>
+                        <a:buNone/>
+                        <a:tabLst/>
+                        <a:defRPr/>
+                      </a:pPr>
+                      <a:r>
+                        <a:rPr lang="en-US" baseline="0" dirty="0" smtClean="0"/>
+                        <a:t>(</a:t>
+                      </a:r>
+                      <a:r>
+                        <a:rPr lang="id-ID" dirty="0" smtClean="0"/>
+                        <a:t>2011730061</a:t>
+                      </a:r>
+                      <a:r>
+                        <a:rPr lang="en-US" dirty="0" smtClean="0"/>
+                        <a:t>)</a:t>
+                      </a:r>
+                      <a:r>
+                        <a:rPr lang="en-US" baseline="0" dirty="0" smtClean="0"/>
+                        <a:t> </a:t>
+                      </a:r>
+                      <a:r>
+                        <a:rPr lang="id-ID" dirty="0" smtClean="0"/>
+                        <a:t>Edbert Jeremiah Samuel</a:t>
+                      </a:r>
+                      <a:endParaRPr lang="en-US" dirty="0" smtClean="0"/>
+                    </a:p>
+                  </a:txBody>
+                  <a:tcPr marL="121920" marR="121920">
+                    <a:lnL w="12700" cap="flat" cmpd="sng" algn="ctr">
+                      <a:solidFill>
+                        <a:schemeClr val="tx1"/>
+                      </a:solidFill>
+                      <a:prstDash val="solid"/>
+                      <a:round/>
+                      <a:headEnd type="none" w="med" len="med"/>
+                      <a:tailEnd type="none" w="med" len="med"/>
+                    </a:lnL>
+                    <a:lnR w="12700" cap="flat" cmpd="sng" algn="ctr">
+                      <a:noFill/>
+                      <a:prstDash val="solid"/>
+                      <a:round/>
+                      <a:headEnd type="none" w="med" len="med"/>
+                      <a:tailEnd type="none" w="med" len="med"/>
+                    </a:lnR>
+                    <a:lnT w="12700" cap="flat" cmpd="sng" algn="ctr">
+                      <a:noFill/>
+                      <a:prstDash val="solid"/>
+                      <a:round/>
+                      <a:headEnd type="none" w="med" len="med"/>
+                      <a:tailEnd type="none" w="med" len="med"/>
+                    </a:lnT>
+                    <a:lnB w="12700" cap="flat" cmpd="sng" algn="ctr">
+                      <a:noFill/>
+                      <a:prstDash val="solid"/>
+                      <a:round/>
+                      <a:headEnd type="none" w="med" len="med"/>
+                      <a:tailEnd type="none" w="med" len="med"/>
+                    </a:lnB>
+                    <a:lnTlToBr w="12700" cmpd="sng">
+                      <a:noFill/>
+                      <a:prstDash val="solid"/>
+                    </a:lnTlToBr>
+                    <a:lnBlToTr w="12700" cmpd="sng">
+                      <a:noFill/>
+                      <a:prstDash val="solid"/>
+                    </a:lnBlToTr>
+                  </a:tcPr>
+                </a:tc>
+              </a:tr>
+              <a:tr h="370840">
+                <a:tc gridSpan="2">
+                  <a:txBody>
+                    <a:bodyPr/>
+                    <a:lstStyle/>
+                    <a:p>
+                      <a:pPr marL="0" marR="0" indent="0" algn="ctr" defTabSz="914400" rtl="0" eaLnBrk="1" fontAlgn="auto" latinLnBrk="0" hangingPunct="1">
+                        <a:lnSpc>
+                          <a:spcPct val="100000"/>
+                        </a:lnSpc>
+                        <a:spcBef>
+                          <a:spcPts val="0"/>
+                        </a:spcBef>
+                        <a:spcAft>
+                          <a:spcPts val="0"/>
+                        </a:spcAft>
+                        <a:buClrTx/>
+                        <a:buSzTx/>
+                        <a:buFontTx/>
+                        <a:buNone/>
+                        <a:tabLst/>
+                        <a:defRPr/>
+                      </a:pPr>
+                      <a:r>
+                        <a:rPr lang="id-ID" dirty="0" smtClean="0"/>
+                        <a:t>Albert Kamord </a:t>
+                      </a:r>
+                      <a:r>
+                        <a:rPr lang="en-US" dirty="0" smtClean="0"/>
+                        <a:t>(</a:t>
+                      </a:r>
+                      <a:r>
+                        <a:rPr lang="id-ID" dirty="0" smtClean="0"/>
+                        <a:t>2011730077</a:t>
+                      </a:r>
+                      <a:r>
+                        <a:rPr lang="en-US" dirty="0" smtClean="0"/>
+                        <a:t>)</a:t>
+                      </a:r>
+                      <a:endParaRPr lang="id-ID" dirty="0" smtClean="0"/>
+                    </a:p>
+                  </a:txBody>
+                  <a:tcPr marL="121920" marR="121920">
+                    <a:lnL w="12700" cap="flat" cmpd="sng" algn="ctr">
+                      <a:noFill/>
+                      <a:prstDash val="solid"/>
+                      <a:round/>
+                      <a:headEnd type="none" w="med" len="med"/>
+                      <a:tailEnd type="none" w="med" len="med"/>
+                    </a:lnL>
+                    <a:lnR w="12700" cap="flat" cmpd="sng" algn="ctr">
+                      <a:noFill/>
+                      <a:prstDash val="solid"/>
+                      <a:round/>
+                      <a:headEnd type="none" w="med" len="med"/>
+                      <a:tailEnd type="none" w="med" len="med"/>
+                    </a:lnR>
+                    <a:lnT w="12700" cap="flat" cmpd="sng" algn="ctr">
+                      <a:noFill/>
+                      <a:prstDash val="solid"/>
+                      <a:round/>
+                      <a:headEnd type="none" w="med" len="med"/>
+                      <a:tailEnd type="none" w="med" len="med"/>
+                    </a:lnT>
+                    <a:lnB w="12700" cap="flat" cmpd="sng" algn="ctr">
+                      <a:noFill/>
+                      <a:prstDash val="solid"/>
+                      <a:round/>
+                      <a:headEnd type="none" w="med" len="med"/>
+                      <a:tailEnd type="none" w="med" len="med"/>
+                    </a:lnB>
+                    <a:lnTlToBr w="12700" cmpd="sng">
+                      <a:noFill/>
+                      <a:prstDash val="solid"/>
+                    </a:lnTlToBr>
+                    <a:lnBlToTr w="12700" cmpd="sng">
+                      <a:noFill/>
+                      <a:prstDash val="solid"/>
+                    </a:lnBlToTr>
+                  </a:tcPr>
+                </a:tc>
+                <a:tc hMerge="1">
+                  <a:txBody>
+                    <a:bodyPr/>
+                    <a:lstStyle/>
+                    <a:p>
+                      <a:endParaRPr lang="en-US" dirty="0"/>
+                    </a:p>
+                  </a:txBody>
+                  <a:tcPr>
+                    <a:lnL w="12700" cap="flat" cmpd="sng" algn="ctr">
+                      <a:solidFill>
+                        <a:schemeClr val="tx1"/>
+                      </a:solidFill>
+                      <a:prstDash val="solid"/>
+                      <a:round/>
+                      <a:headEnd type="none" w="med" len="med"/>
+                      <a:tailEnd type="none" w="med" len="med"/>
+                    </a:lnL>
+                    <a:lnR w="12700" cap="flat" cmpd="sng" algn="ctr">
+                      <a:solidFill>
+                        <a:schemeClr val="tx1"/>
+                      </a:solidFill>
+                      <a:prstDash val="solid"/>
+                      <a:round/>
+                      <a:headEnd type="none" w="med" len="med"/>
+                      <a:tailEnd type="none" w="med" len="med"/>
+                    </a:lnR>
+                    <a:lnT w="12700" cap="flat" cmpd="sng" algn="ctr">
+                      <a:solidFill>
+                        <a:schemeClr val="tx1"/>
+                      </a:solidFill>
+                      <a:prstDash val="solid"/>
+                      <a:round/>
+                      <a:headEnd type="none" w="med" len="med"/>
+                      <a:tailEnd type="none" w="med" len="med"/>
+                    </a:lnT>
+                    <a:lnB w="12700" cap="flat" cmpd="sng" algn="ctr">
+                      <a:solidFill>
+                        <a:schemeClr val="tx1"/>
+                      </a:solidFill>
+                      <a:prstDash val="solid"/>
+                      <a:round/>
+                      <a:headEnd type="none" w="med" len="med"/>
+                      <a:tailEnd type="none" w="med" len="med"/>
+                    </a:lnB>
+                  </a:tcPr>
+                </a:tc>
+              </a:tr>
+            </a:tbl>
+          </a:graphicData>
+        </a:graphic>
+      </p:graphicFrame>
     </p:spTree>
     <p:extLst>
       <p:ext uri="{BB962C8B-B14F-4D97-AF65-F5344CB8AC3E}">
-        <p14:creationId xmlns:p14="http://schemas.microsoft.com/office/powerpoint/2010/main" val="1601143312"/>
+        <p14:creationId xmlns:p14="http://schemas.microsoft.com/office/powerpoint/2010/main" val="3550376064"/>
       </p:ext>
     </p:extLst>
   </p:cSld>
@@ -10928,11 +11710,7 @@
             </a:r>
             <a:r>
               <a:rPr lang="en-US" dirty="0" err="1" smtClean="0"/>
-              <a:t>pake</a:t>
-            </a:r>
-            <a:r>
-              <a:rPr lang="en-US" dirty="0" err="1" smtClean="0"/>
-              <a:t>t</a:t>
+              <a:t>paket</a:t>
             </a:r>
             <a:r>
               <a:rPr lang="en-US" dirty="0"/>
@@ -12648,7 +13426,7 @@
   <a:extraClrSchemeLst/>
   <a:extLst>
     <a:ext uri="{05A4C25C-085E-4340-85A3-A5531E510DB2}">
-      <thm15:themeFamily xmlns:thm15="http://schemas.microsoft.com/office/thememl/2012/main" xmlns="" name="Office Theme" id="{62F939B6-93AF-4DB8-9C6B-D6C7DFDC589F}" vid="{4A3C46E8-61CC-4603-A589-7422A47A8E4A}"/>
+      <thm15:themeFamily xmlns="" xmlns:thm15="http://schemas.microsoft.com/office/thememl/2012/main" name="Office Theme" id="{62F939B6-93AF-4DB8-9C6B-D6C7DFDC589F}" vid="{4A3C46E8-61CC-4603-A589-7422A47A8E4A}"/>
     </a:ext>
   </a:extLst>
 </a:theme>
